--- a/Garcia_pres.pptx
+++ b/Garcia_pres.pptx
@@ -5,15 +5,14 @@
     <p:sldMasterId id="2147483648" r:id="rId1"/>
   </p:sldMasterIdLst>
   <p:notesMasterIdLst>
-    <p:notesMasterId r:id="rId8"/>
+    <p:notesMasterId r:id="rId7"/>
   </p:notesMasterIdLst>
   <p:sldIdLst>
     <p:sldId id="257" r:id="rId2"/>
     <p:sldId id="258" r:id="rId3"/>
     <p:sldId id="259" r:id="rId4"/>
     <p:sldId id="261" r:id="rId5"/>
-    <p:sldId id="262" r:id="rId6"/>
-    <p:sldId id="263" r:id="rId7"/>
+    <p:sldId id="263" r:id="rId6"/>
   </p:sldIdLst>
   <p:sldSz cx="12192000" cy="6858000"/>
   <p:notesSz cx="6858000" cy="9144000"/>
@@ -112,6 +111,11 @@
       </a:defRPr>
     </a:lvl9pPr>
   </p:defaultTextStyle>
+  <p:extLst>
+    <p:ext uri="{EFAFB233-063F-42B5-8137-9DF3F51BA10A}">
+      <p15:sldGuideLst xmlns:p15="http://schemas.microsoft.com/office/powerpoint/2012/main"/>
+    </p:ext>
+  </p:extLst>
 </p:presentation>
 </file>
 
@@ -128,7 +132,7 @@
   <pc:docChgLst>
     <pc:chgData name="Lindsey Redington" userId="8bb63c609a2cc427" providerId="LiveId" clId="{11F8D0CA-E4CC-434A-86BD-74AE835BFE73}"/>
     <pc:docChg chg="undo redo custSel addSld delSld modSld">
-      <pc:chgData name="Lindsey Redington" userId="8bb63c609a2cc427" providerId="LiveId" clId="{11F8D0CA-E4CC-434A-86BD-74AE835BFE73}" dt="2024-03-26T19:02:22.393" v="992" actId="20577"/>
+      <pc:chgData name="Lindsey Redington" userId="8bb63c609a2cc427" providerId="LiveId" clId="{11F8D0CA-E4CC-434A-86BD-74AE835BFE73}" dt="2024-03-26T20:06:53.231" v="993" actId="2696"/>
       <pc:docMkLst>
         <pc:docMk/>
       </pc:docMkLst>
@@ -373,8 +377,8 @@
           </ac:spMkLst>
         </pc:spChg>
       </pc:sldChg>
-      <pc:sldChg chg="addSp modSp new mod">
-        <pc:chgData name="Lindsey Redington" userId="8bb63c609a2cc427" providerId="LiveId" clId="{11F8D0CA-E4CC-434A-86BD-74AE835BFE73}" dt="2024-03-26T18:56:49.860" v="898" actId="1076"/>
+      <pc:sldChg chg="addSp modSp new del mod">
+        <pc:chgData name="Lindsey Redington" userId="8bb63c609a2cc427" providerId="LiveId" clId="{11F8D0CA-E4CC-434A-86BD-74AE835BFE73}" dt="2024-03-26T20:06:53.231" v="993" actId="2696"/>
         <pc:sldMkLst>
           <pc:docMk/>
           <pc:sldMk cId="453388949" sldId="262"/>
@@ -1033,7 +1037,7 @@
           <a:p>
             <a:fld id="{E7202DC9-8B04-4418-B887-D8C8697D3A22}" type="slidenum">
               <a:rPr lang="en-US" smtClean="0"/>
-              <a:t>6</a:t>
+              <a:t>5</a:t>
             </a:fld>
             <a:endParaRPr lang="en-US"/>
           </a:p>
@@ -4906,179 +4910,6 @@
 </file>
 
 <file path=ppt/slides/slide5.xml><?xml version="1.0" encoding="utf-8"?>
-<p:sld xmlns:a="http://schemas.openxmlformats.org/drawingml/2006/main" xmlns:r="http://schemas.openxmlformats.org/officeDocument/2006/relationships" xmlns:p="http://schemas.openxmlformats.org/presentationml/2006/main">
-  <p:cSld>
-    <p:spTree>
-      <p:nvGrpSpPr>
-        <p:cNvPr id="1" name=""/>
-        <p:cNvGrpSpPr/>
-        <p:nvPr/>
-      </p:nvGrpSpPr>
-      <p:grpSpPr>
-        <a:xfrm>
-          <a:off x="0" y="0"/>
-          <a:ext cx="0" cy="0"/>
-          <a:chOff x="0" y="0"/>
-          <a:chExt cx="0" cy="0"/>
-        </a:xfrm>
-      </p:grpSpPr>
-      <p:sp>
-        <p:nvSpPr>
-          <p:cNvPr id="2" name="Title 1">
-            <a:extLst>
-              <a:ext uri="{FF2B5EF4-FFF2-40B4-BE49-F238E27FC236}">
-                <a16:creationId xmlns:a16="http://schemas.microsoft.com/office/drawing/2014/main" id="{990694D5-8BDC-F0A6-550D-D93BFBACE007}"/>
-              </a:ext>
-            </a:extLst>
-          </p:cNvPr>
-          <p:cNvSpPr>
-            <a:spLocks noGrp="1"/>
-          </p:cNvSpPr>
-          <p:nvPr>
-            <p:ph type="title"/>
-          </p:nvPr>
-        </p:nvSpPr>
-        <p:spPr/>
-        <p:txBody>
-          <a:bodyPr/>
-          <a:lstStyle/>
-          <a:p>
-            <a:r>
-              <a:rPr lang="en-US" dirty="0"/>
-              <a:t>SAT: Integrated Multi-agent Blackbox Security Assessment Tool using Machine Learning</a:t>
-            </a:r>
-          </a:p>
-        </p:txBody>
-      </p:sp>
-      <p:sp>
-        <p:nvSpPr>
-          <p:cNvPr id="3" name="Content Placeholder 2">
-            <a:extLst>
-              <a:ext uri="{FF2B5EF4-FFF2-40B4-BE49-F238E27FC236}">
-                <a16:creationId xmlns:a16="http://schemas.microsoft.com/office/drawing/2014/main" id="{60DC1D24-123F-BC1C-8E37-39084576E1F3}"/>
-              </a:ext>
-            </a:extLst>
-          </p:cNvPr>
-          <p:cNvSpPr>
-            <a:spLocks noGrp="1"/>
-          </p:cNvSpPr>
-          <p:nvPr>
-            <p:ph idx="1"/>
-          </p:nvPr>
-        </p:nvSpPr>
-        <p:spPr/>
-        <p:txBody>
-          <a:bodyPr/>
-          <a:lstStyle/>
-          <a:p>
-            <a:r>
-              <a:rPr lang="en-US" dirty="0"/>
-              <a:t>Three major components:</a:t>
-            </a:r>
-          </a:p>
-          <a:p>
-            <a:pPr lvl="1"/>
-            <a:r>
-              <a:rPr lang="en-US" dirty="0"/>
-              <a:t>Process Initiator (PI): responsible for host discovery and initialization of the scanning process of the target URL</a:t>
-            </a:r>
-          </a:p>
-          <a:p>
-            <a:pPr lvl="1"/>
-            <a:r>
-              <a:rPr lang="en-US" dirty="0"/>
-              <a:t>Security Assessment Unit (SAU): performs scanning of the input web application</a:t>
-            </a:r>
-          </a:p>
-          <a:p>
-            <a:pPr lvl="2"/>
-            <a:r>
-              <a:rPr lang="en-US" dirty="0"/>
-              <a:t>Sub sections:</a:t>
-            </a:r>
-          </a:p>
-          <a:p>
-            <a:pPr lvl="3"/>
-            <a:r>
-              <a:rPr lang="en-US" dirty="0"/>
-              <a:t>Scanning Engine: uses </a:t>
-            </a:r>
-            <a:r>
-              <a:rPr lang="en-US" dirty="0" err="1"/>
-              <a:t>Arachni</a:t>
-            </a:r>
-            <a:r>
-              <a:rPr lang="en-US" dirty="0"/>
-              <a:t> Crawler and provides features for custom plugin scripts</a:t>
-            </a:r>
-          </a:p>
-          <a:p>
-            <a:pPr lvl="3"/>
-            <a:r>
-              <a:rPr lang="en-US" dirty="0"/>
-              <a:t>Vulnerabilities Database: contains a list of all possible vulnerabilities of OWASP top 10</a:t>
-            </a:r>
-          </a:p>
-          <a:p>
-            <a:pPr lvl="3"/>
-            <a:r>
-              <a:rPr lang="en-US" dirty="0"/>
-              <a:t>Knowledgebase: AI (Artificial Intelligence) based analysis engine</a:t>
-            </a:r>
-          </a:p>
-          <a:p>
-            <a:pPr lvl="1"/>
-            <a:r>
-              <a:rPr lang="en-US" dirty="0"/>
-              <a:t>Reporting Unit: produces thorough report identifying vulnerabilities &amp; the details, assessment score, and possible remediation of each.  </a:t>
-            </a:r>
-          </a:p>
-        </p:txBody>
-      </p:sp>
-      <p:pic>
-        <p:nvPicPr>
-          <p:cNvPr id="5" name="Picture 4">
-            <a:extLst>
-              <a:ext uri="{FF2B5EF4-FFF2-40B4-BE49-F238E27FC236}">
-                <a16:creationId xmlns:a16="http://schemas.microsoft.com/office/drawing/2014/main" id="{09405625-2BC7-7168-9034-E23704426A3D}"/>
-              </a:ext>
-            </a:extLst>
-          </p:cNvPr>
-          <p:cNvPicPr>
-            <a:picLocks noChangeAspect="1"/>
-          </p:cNvPicPr>
-          <p:nvPr/>
-        </p:nvPicPr>
-        <p:blipFill>
-          <a:blip r:embed="rId2"/>
-          <a:stretch>
-            <a:fillRect/>
-          </a:stretch>
-        </p:blipFill>
-        <p:spPr>
-          <a:xfrm>
-            <a:off x="7427665" y="188846"/>
-            <a:ext cx="4466760" cy="2659695"/>
-          </a:xfrm>
-          <a:prstGeom prst="rect">
-            <a:avLst/>
-          </a:prstGeom>
-        </p:spPr>
-      </p:pic>
-    </p:spTree>
-    <p:extLst>
-      <p:ext uri="{BB962C8B-B14F-4D97-AF65-F5344CB8AC3E}">
-        <p14:creationId xmlns:p14="http://schemas.microsoft.com/office/powerpoint/2010/main" val="453388949"/>
-      </p:ext>
-    </p:extLst>
-  </p:cSld>
-  <p:clrMapOvr>
-    <a:masterClrMapping/>
-  </p:clrMapOvr>
-</p:sld>
-</file>
-
-<file path=ppt/slides/slide6.xml><?xml version="1.0" encoding="utf-8"?>
 <p:sld xmlns:a="http://schemas.openxmlformats.org/drawingml/2006/main" xmlns:r="http://schemas.openxmlformats.org/officeDocument/2006/relationships" xmlns:p="http://schemas.openxmlformats.org/presentationml/2006/main">
   <p:cSld>
     <p:spTree>
